--- a/docs/diagrams/UndoRedoNewCommand1StateListDiagram.pptx
+++ b/docs/diagrams/UndoRedoNewCommand1StateListDiagram.pptx
@@ -261,7 +261,7 @@
           <a:p>
             <a:fld id="{03EC4E3E-8101-482F-A883-8B55DAFF7C07}" type="datetimeFigureOut">
               <a:rPr lang="en-SG" smtClean="0"/>
-              <a:t>26 Feb 2019</a:t>
+              <a:t>15/4/19</a:t>
             </a:fld>
             <a:endParaRPr lang="en-SG"/>
           </a:p>
@@ -461,7 +461,7 @@
           <a:p>
             <a:fld id="{03EC4E3E-8101-482F-A883-8B55DAFF7C07}" type="datetimeFigureOut">
               <a:rPr lang="en-SG" smtClean="0"/>
-              <a:t>26 Feb 2019</a:t>
+              <a:t>15/4/19</a:t>
             </a:fld>
             <a:endParaRPr lang="en-SG"/>
           </a:p>
@@ -671,7 +671,7 @@
           <a:p>
             <a:fld id="{03EC4E3E-8101-482F-A883-8B55DAFF7C07}" type="datetimeFigureOut">
               <a:rPr lang="en-SG" smtClean="0"/>
-              <a:t>26 Feb 2019</a:t>
+              <a:t>15/4/19</a:t>
             </a:fld>
             <a:endParaRPr lang="en-SG"/>
           </a:p>
@@ -871,7 +871,7 @@
           <a:p>
             <a:fld id="{03EC4E3E-8101-482F-A883-8B55DAFF7C07}" type="datetimeFigureOut">
               <a:rPr lang="en-SG" smtClean="0"/>
-              <a:t>26 Feb 2019</a:t>
+              <a:t>15/4/19</a:t>
             </a:fld>
             <a:endParaRPr lang="en-SG"/>
           </a:p>
@@ -1147,7 +1147,7 @@
           <a:p>
             <a:fld id="{03EC4E3E-8101-482F-A883-8B55DAFF7C07}" type="datetimeFigureOut">
               <a:rPr lang="en-SG" smtClean="0"/>
-              <a:t>26 Feb 2019</a:t>
+              <a:t>15/4/19</a:t>
             </a:fld>
             <a:endParaRPr lang="en-SG"/>
           </a:p>
@@ -1415,7 +1415,7 @@
           <a:p>
             <a:fld id="{03EC4E3E-8101-482F-A883-8B55DAFF7C07}" type="datetimeFigureOut">
               <a:rPr lang="en-SG" smtClean="0"/>
-              <a:t>26 Feb 2019</a:t>
+              <a:t>15/4/19</a:t>
             </a:fld>
             <a:endParaRPr lang="en-SG"/>
           </a:p>
@@ -1830,7 +1830,7 @@
           <a:p>
             <a:fld id="{03EC4E3E-8101-482F-A883-8B55DAFF7C07}" type="datetimeFigureOut">
               <a:rPr lang="en-SG" smtClean="0"/>
-              <a:t>26 Feb 2019</a:t>
+              <a:t>15/4/19</a:t>
             </a:fld>
             <a:endParaRPr lang="en-SG"/>
           </a:p>
@@ -1972,7 +1972,7 @@
           <a:p>
             <a:fld id="{03EC4E3E-8101-482F-A883-8B55DAFF7C07}" type="datetimeFigureOut">
               <a:rPr lang="en-SG" smtClean="0"/>
-              <a:t>26 Feb 2019</a:t>
+              <a:t>15/4/19</a:t>
             </a:fld>
             <a:endParaRPr lang="en-SG"/>
           </a:p>
@@ -2085,7 +2085,7 @@
           <a:p>
             <a:fld id="{03EC4E3E-8101-482F-A883-8B55DAFF7C07}" type="datetimeFigureOut">
               <a:rPr lang="en-SG" smtClean="0"/>
-              <a:t>26 Feb 2019</a:t>
+              <a:t>15/4/19</a:t>
             </a:fld>
             <a:endParaRPr lang="en-SG"/>
           </a:p>
@@ -2398,7 +2398,7 @@
           <a:p>
             <a:fld id="{03EC4E3E-8101-482F-A883-8B55DAFF7C07}" type="datetimeFigureOut">
               <a:rPr lang="en-SG" smtClean="0"/>
-              <a:t>26 Feb 2019</a:t>
+              <a:t>15/4/19</a:t>
             </a:fld>
             <a:endParaRPr lang="en-SG"/>
           </a:p>
@@ -2687,7 +2687,7 @@
           <a:p>
             <a:fld id="{03EC4E3E-8101-482F-A883-8B55DAFF7C07}" type="datetimeFigureOut">
               <a:rPr lang="en-SG" smtClean="0"/>
-              <a:t>26 Feb 2019</a:t>
+              <a:t>15/4/19</a:t>
             </a:fld>
             <a:endParaRPr lang="en-SG"/>
           </a:p>
@@ -2930,7 +2930,7 @@
           <a:p>
             <a:fld id="{03EC4E3E-8101-482F-A883-8B55DAFF7C07}" type="datetimeFigureOut">
               <a:rPr lang="en-SG" smtClean="0"/>
-              <a:t>26 Feb 2019</a:t>
+              <a:t>15/4/19</a:t>
             </a:fld>
             <a:endParaRPr lang="en-SG"/>
           </a:p>
@@ -3406,7 +3406,7 @@
           <p:nvPr>
             <p:extLst>
               <p:ext uri="{D42A27DB-BD31-4B8C-83A1-F6EECF244321}">
-                <p14:modId xmlns:p14="http://schemas.microsoft.com/office/powerpoint/2010/main" val="770650361"/>
+                <p14:modId xmlns:p14="http://schemas.microsoft.com/office/powerpoint/2010/main" val="2919756742"/>
               </p:ext>
             </p:extLst>
           </p:nvPr>
@@ -3438,11 +3438,11 @@
                     <a:p>
                       <a:r>
                         <a:rPr lang="en-SG" u="sng" dirty="0"/>
-                        <a:t>ab0:</a:t>
+                        <a:t>a0:</a:t>
                       </a:r>
                       <a:r>
                         <a:rPr lang="en-SG" sz="1800" u="sng" dirty="0"/>
-                        <a:t>AddressBook</a:t>
+                        <a:t>Application</a:t>
                       </a:r>
                       <a:endParaRPr lang="en-SG" sz="1600" u="sng" dirty="0"/>
                     </a:p>
@@ -3654,7 +3654,7 @@
           <p:nvPr>
             <p:extLst>
               <p:ext uri="{D42A27DB-BD31-4B8C-83A1-F6EECF244321}">
-                <p14:modId xmlns:p14="http://schemas.microsoft.com/office/powerpoint/2010/main" val="2370624015"/>
+                <p14:modId xmlns:p14="http://schemas.microsoft.com/office/powerpoint/2010/main" val="3075290351"/>
               </p:ext>
             </p:extLst>
           </p:nvPr>
@@ -3686,11 +3686,11 @@
                     <a:p>
                       <a:r>
                         <a:rPr lang="en-SG" u="sng" dirty="0"/>
-                        <a:t>ab1:</a:t>
+                        <a:t>a1:</a:t>
                       </a:r>
                       <a:r>
                         <a:rPr lang="en-SG" sz="1800" u="sng" dirty="0"/>
-                        <a:t>AddressBook</a:t>
+                        <a:t>Application</a:t>
                       </a:r>
                       <a:endParaRPr lang="en-SG" sz="1600" u="sng" dirty="0"/>
                     </a:p>
@@ -3722,7 +3722,7 @@
           <p:nvPr>
             <p:extLst>
               <p:ext uri="{D42A27DB-BD31-4B8C-83A1-F6EECF244321}">
-                <p14:modId xmlns:p14="http://schemas.microsoft.com/office/powerpoint/2010/main" val="2523374166"/>
+                <p14:modId xmlns:p14="http://schemas.microsoft.com/office/powerpoint/2010/main" val="3102362796"/>
               </p:ext>
             </p:extLst>
           </p:nvPr>
@@ -3754,11 +3754,11 @@
                     <a:p>
                       <a:r>
                         <a:rPr lang="en-SG" u="sng" dirty="0"/>
-                        <a:t>ab0:</a:t>
+                        <a:t>a0:</a:t>
                       </a:r>
                       <a:r>
                         <a:rPr lang="en-SG" sz="1800" u="sng" dirty="0"/>
-                        <a:t>AddressBook</a:t>
+                        <a:t>Application</a:t>
                       </a:r>
                       <a:endParaRPr lang="en-SG" sz="1600" u="sng" dirty="0"/>
                     </a:p>
